--- a/2017/banners/logo.pptx
+++ b/2017/banners/logo.pptx
@@ -106,7 +106,7 @@
   </p:defaultTextStyle>
   <p:extLst>
     <p:ext uri="{EFAFB233-063F-42B5-8137-9DF3F51BA10A}">
-      <p15:sldGuideLst xmlns:p15="http://schemas.microsoft.com/office/powerpoint/2012/main" xmlns=""/>
+      <p15:sldGuideLst xmlns="" xmlns:p15="http://schemas.microsoft.com/office/powerpoint/2012/main"/>
     </p:ext>
   </p:extLst>
 </p:presentation>
@@ -243,7 +243,7 @@
           <a:p>
             <a:fld id="{8F274794-5C2E-EB4F-BB5E-E77203D859D0}" type="datetimeFigureOut">
               <a:rPr lang="en-US" smtClean="0"/>
-              <a:t>11/28/16</a:t>
+              <a:t>1/25/17</a:t>
             </a:fld>
             <a:endParaRPr lang="en-US"/>
           </a:p>
@@ -413,7 +413,7 @@
           <a:p>
             <a:fld id="{8F274794-5C2E-EB4F-BB5E-E77203D859D0}" type="datetimeFigureOut">
               <a:rPr lang="en-US" smtClean="0"/>
-              <a:t>11/28/16</a:t>
+              <a:t>1/25/17</a:t>
             </a:fld>
             <a:endParaRPr lang="en-US"/>
           </a:p>
@@ -593,7 +593,7 @@
           <a:p>
             <a:fld id="{8F274794-5C2E-EB4F-BB5E-E77203D859D0}" type="datetimeFigureOut">
               <a:rPr lang="en-US" smtClean="0"/>
-              <a:t>11/28/16</a:t>
+              <a:t>1/25/17</a:t>
             </a:fld>
             <a:endParaRPr lang="en-US"/>
           </a:p>
@@ -763,7 +763,7 @@
           <a:p>
             <a:fld id="{8F274794-5C2E-EB4F-BB5E-E77203D859D0}" type="datetimeFigureOut">
               <a:rPr lang="en-US" smtClean="0"/>
-              <a:t>11/28/16</a:t>
+              <a:t>1/25/17</a:t>
             </a:fld>
             <a:endParaRPr lang="en-US"/>
           </a:p>
@@ -1007,7 +1007,7 @@
           <a:p>
             <a:fld id="{8F274794-5C2E-EB4F-BB5E-E77203D859D0}" type="datetimeFigureOut">
               <a:rPr lang="en-US" smtClean="0"/>
-              <a:t>11/28/16</a:t>
+              <a:t>1/25/17</a:t>
             </a:fld>
             <a:endParaRPr lang="en-US"/>
           </a:p>
@@ -1239,7 +1239,7 @@
           <a:p>
             <a:fld id="{8F274794-5C2E-EB4F-BB5E-E77203D859D0}" type="datetimeFigureOut">
               <a:rPr lang="en-US" smtClean="0"/>
-              <a:t>11/28/16</a:t>
+              <a:t>1/25/17</a:t>
             </a:fld>
             <a:endParaRPr lang="en-US"/>
           </a:p>
@@ -1606,7 +1606,7 @@
           <a:p>
             <a:fld id="{8F274794-5C2E-EB4F-BB5E-E77203D859D0}" type="datetimeFigureOut">
               <a:rPr lang="en-US" smtClean="0"/>
-              <a:t>11/28/16</a:t>
+              <a:t>1/25/17</a:t>
             </a:fld>
             <a:endParaRPr lang="en-US"/>
           </a:p>
@@ -1724,7 +1724,7 @@
           <a:p>
             <a:fld id="{8F274794-5C2E-EB4F-BB5E-E77203D859D0}" type="datetimeFigureOut">
               <a:rPr lang="en-US" smtClean="0"/>
-              <a:t>11/28/16</a:t>
+              <a:t>1/25/17</a:t>
             </a:fld>
             <a:endParaRPr lang="en-US"/>
           </a:p>
@@ -1819,7 +1819,7 @@
           <a:p>
             <a:fld id="{8F274794-5C2E-EB4F-BB5E-E77203D859D0}" type="datetimeFigureOut">
               <a:rPr lang="en-US" smtClean="0"/>
-              <a:t>11/28/16</a:t>
+              <a:t>1/25/17</a:t>
             </a:fld>
             <a:endParaRPr lang="en-US"/>
           </a:p>
@@ -2096,7 +2096,7 @@
           <a:p>
             <a:fld id="{8F274794-5C2E-EB4F-BB5E-E77203D859D0}" type="datetimeFigureOut">
               <a:rPr lang="en-US" smtClean="0"/>
-              <a:t>11/28/16</a:t>
+              <a:t>1/25/17</a:t>
             </a:fld>
             <a:endParaRPr lang="en-US"/>
           </a:p>
@@ -2353,7 +2353,7 @@
           <a:p>
             <a:fld id="{8F274794-5C2E-EB4F-BB5E-E77203D859D0}" type="datetimeFigureOut">
               <a:rPr lang="en-US" smtClean="0"/>
-              <a:t>11/28/16</a:t>
+              <a:t>1/25/17</a:t>
             </a:fld>
             <a:endParaRPr lang="en-US"/>
           </a:p>
@@ -2566,7 +2566,7 @@
           <a:p>
             <a:fld id="{8F274794-5C2E-EB4F-BB5E-E77203D859D0}" type="datetimeFigureOut">
               <a:rPr lang="en-US" smtClean="0"/>
-              <a:t>11/28/16</a:t>
+              <a:t>1/25/17</a:t>
             </a:fld>
             <a:endParaRPr lang="en-US"/>
           </a:p>
@@ -3120,8 +3120,8 @@
         </p:nvSpPr>
         <p:spPr>
           <a:xfrm>
-            <a:off x="323022" y="6615958"/>
-            <a:ext cx="6211957" cy="1777410"/>
+            <a:off x="414294" y="6615958"/>
+            <a:ext cx="6029415" cy="2108270"/>
           </a:xfrm>
           <a:prstGeom prst="rect">
             <a:avLst/>
@@ -3146,20 +3146,7 @@
                 <a:ea typeface="Josefin Sans" charset="0"/>
                 <a:cs typeface="Josefin Sans" charset="0"/>
               </a:rPr>
-              <a:t>Friday</a:t>
-            </a:r>
-            <a:r>
-              <a:rPr lang="en-US" sz="2800" dirty="0" smtClean="0">
-                <a:solidFill>
-                  <a:schemeClr val="bg1">
-                    <a:lumMod val="50000"/>
-                  </a:schemeClr>
-                </a:solidFill>
-                <a:latin typeface="Josefin Sans" charset="0"/>
-                <a:ea typeface="Josefin Sans" charset="0"/>
-                <a:cs typeface="Josefin Sans" charset="0"/>
-              </a:rPr>
-              <a:t>, </a:t>
+              <a:t>Friday, </a:t>
             </a:r>
             <a:r>
               <a:rPr lang="en-US" sz="2800" dirty="0">
@@ -3198,10 +3185,10 @@
                 <a:ea typeface="Josefin Sans" charset="0"/>
                 <a:cs typeface="Josefin Sans" charset="0"/>
               </a:rPr>
-              <a:t>9am – </a:t>
-            </a:r>
-            <a:r>
-              <a:rPr lang="en-US" sz="2800" dirty="0" smtClean="0">
+              <a:t>9am </a:t>
+            </a:r>
+            <a:r>
+              <a:rPr lang="en-US" sz="2800">
                 <a:solidFill>
                   <a:schemeClr val="bg1">
                     <a:lumMod val="50000"/>
@@ -3211,7 +3198,33 @@
                 <a:ea typeface="Josefin Sans" charset="0"/>
                 <a:cs typeface="Josefin Sans" charset="0"/>
               </a:rPr>
-              <a:t>4:30pm</a:t>
+              <a:t>– </a:t>
+            </a:r>
+            <a:r>
+              <a:rPr lang="en-US" sz="2800" smtClean="0">
+                <a:solidFill>
+                  <a:schemeClr val="bg1">
+                    <a:lumMod val="50000"/>
+                  </a:schemeClr>
+                </a:solidFill>
+                <a:latin typeface="Josefin Sans" charset="0"/>
+                <a:ea typeface="Josefin Sans" charset="0"/>
+                <a:cs typeface="Josefin Sans" charset="0"/>
+              </a:rPr>
+              <a:t>6</a:t>
+            </a:r>
+            <a:r>
+              <a:rPr lang="en-US" sz="2800" smtClean="0">
+                <a:solidFill>
+                  <a:schemeClr val="bg1">
+                    <a:lumMod val="50000"/>
+                  </a:schemeClr>
+                </a:solidFill>
+                <a:latin typeface="Josefin Sans" charset="0"/>
+                <a:ea typeface="Josefin Sans" charset="0"/>
+                <a:cs typeface="Josefin Sans" charset="0"/>
+              </a:rPr>
+              <a:t>pm</a:t>
             </a:r>
             <a:r>
               <a:rPr lang="en-US" sz="2800" dirty="0">
@@ -3252,22 +3265,33 @@
           <a:p>
             <a:pPr algn="ctr"/>
             <a:r>
-              <a:rPr lang="en-US" sz="2250" dirty="0">
+              <a:rPr lang="en-US" sz="2200" dirty="0">
                 <a:latin typeface="Josefin Sans" charset="0"/>
                 <a:ea typeface="Josefin Sans" charset="0"/>
                 <a:cs typeface="Josefin Sans" charset="0"/>
               </a:rPr>
-              <a:t>Special thanks to this year’s sponsor: </a:t>
-            </a:r>
-            <a:r>
-              <a:rPr lang="en-US" sz="2250" i="1" dirty="0">
+              <a:t>Special thanks to this year’s </a:t>
+            </a:r>
+            <a:r>
+              <a:rPr lang="en-US" sz="2200" dirty="0" smtClean="0">
                 <a:latin typeface="Josefin Sans" charset="0"/>
                 <a:ea typeface="Josefin Sans" charset="0"/>
                 <a:cs typeface="Josefin Sans" charset="0"/>
               </a:rPr>
-              <a:t>Microsoft</a:t>
-            </a:r>
-            <a:endParaRPr lang="en-US" sz="2250" dirty="0">
+              <a:t>sponsors:</a:t>
+            </a:r>
+          </a:p>
+          <a:p>
+            <a:pPr algn="ctr"/>
+            <a:r>
+              <a:rPr lang="en-US" sz="2200" i="1" dirty="0" smtClean="0">
+                <a:latin typeface="Josefin Sans" charset="0"/>
+                <a:ea typeface="Josefin Sans" charset="0"/>
+                <a:cs typeface="Josefin Sans" charset="0"/>
+              </a:rPr>
+              <a:t>Microsoft and Facebook</a:t>
+            </a:r>
+            <a:endParaRPr lang="en-US" sz="2200" dirty="0">
               <a:latin typeface="Josefin Sans" charset="0"/>
               <a:ea typeface="Josefin Sans" charset="0"/>
               <a:cs typeface="Josefin Sans" charset="0"/>
@@ -3597,7 +3621,7 @@
   <a:extraClrSchemeLst/>
   <a:extLst>
     <a:ext uri="{05A4C25C-085E-4340-85A3-A5531E510DB2}">
-      <thm15:themeFamily xmlns:thm15="http://schemas.microsoft.com/office/thememl/2012/main" xmlns="" name="Office Theme" id="{62F939B6-93AF-4DB8-9C6B-D6C7DFDC589F}" vid="{4A3C46E8-61CC-4603-A589-7422A47A8E4A}"/>
+      <thm15:themeFamily xmlns="" xmlns:thm15="http://schemas.microsoft.com/office/thememl/2012/main" name="Office Theme" id="{62F939B6-93AF-4DB8-9C6B-D6C7DFDC589F}" vid="{4A3C46E8-61CC-4603-A589-7422A47A8E4A}"/>
     </a:ext>
   </a:extLst>
 </a:theme>
